--- a/クラス認識とは.pptx
+++ b/クラス認識とは.pptx
@@ -10,7 +10,8 @@
     <p:sldId id="259" r:id="rId4"/>
     <p:sldId id="260" r:id="rId5"/>
     <p:sldId id="261" r:id="rId6"/>
-    <p:sldId id="262" r:id="rId7"/>
+    <p:sldId id="263" r:id="rId7"/>
+    <p:sldId id="262" r:id="rId8"/>
   </p:sldIdLst>
   <p:sldSz cx="9144000" cy="6858000" type="screen4x3"/>
   <p:notesSz cx="6858000" cy="9144000"/>
@@ -248,7 +249,7 @@
           <a:p>
             <a:fld id="{B5C5D851-84F4-4195-AF72-00029A8AC88C}" type="datetimeFigureOut">
               <a:rPr kumimoji="1" lang="ja-JP" altLang="en-US" smtClean="0"/>
-              <a:t>2020/5/28</a:t>
+              <a:t>2020/6/15</a:t>
             </a:fld>
             <a:endParaRPr kumimoji="1" lang="ja-JP" altLang="en-US"/>
           </a:p>
@@ -450,7 +451,7 @@
           <a:p>
             <a:fld id="{B5C5D851-84F4-4195-AF72-00029A8AC88C}" type="datetimeFigureOut">
               <a:rPr kumimoji="1" lang="ja-JP" altLang="en-US" smtClean="0"/>
-              <a:t>2020/5/28</a:t>
+              <a:t>2020/6/15</a:t>
             </a:fld>
             <a:endParaRPr kumimoji="1" lang="ja-JP" altLang="en-US"/>
           </a:p>
@@ -662,7 +663,7 @@
           <a:p>
             <a:fld id="{B5C5D851-84F4-4195-AF72-00029A8AC88C}" type="datetimeFigureOut">
               <a:rPr kumimoji="1" lang="ja-JP" altLang="en-US" smtClean="0"/>
-              <a:t>2020/5/28</a:t>
+              <a:t>2020/6/15</a:t>
             </a:fld>
             <a:endParaRPr kumimoji="1" lang="ja-JP" altLang="en-US"/>
           </a:p>
@@ -864,7 +865,7 @@
           <a:p>
             <a:fld id="{B5C5D851-84F4-4195-AF72-00029A8AC88C}" type="datetimeFigureOut">
               <a:rPr kumimoji="1" lang="ja-JP" altLang="en-US" smtClean="0"/>
-              <a:t>2020/5/28</a:t>
+              <a:t>2020/6/15</a:t>
             </a:fld>
             <a:endParaRPr kumimoji="1" lang="ja-JP" altLang="en-US"/>
           </a:p>
@@ -1108,7 +1109,7 @@
           <a:p>
             <a:fld id="{B5C5D851-84F4-4195-AF72-00029A8AC88C}" type="datetimeFigureOut">
               <a:rPr kumimoji="1" lang="ja-JP" altLang="en-US" smtClean="0"/>
-              <a:t>2020/5/28</a:t>
+              <a:t>2020/6/15</a:t>
             </a:fld>
             <a:endParaRPr kumimoji="1" lang="ja-JP" altLang="en-US"/>
           </a:p>
@@ -1404,7 +1405,7 @@
           <a:p>
             <a:fld id="{B5C5D851-84F4-4195-AF72-00029A8AC88C}" type="datetimeFigureOut">
               <a:rPr kumimoji="1" lang="ja-JP" altLang="en-US" smtClean="0"/>
-              <a:t>2020/5/28</a:t>
+              <a:t>2020/6/15</a:t>
             </a:fld>
             <a:endParaRPr kumimoji="1" lang="ja-JP" altLang="en-US"/>
           </a:p>
@@ -1835,7 +1836,7 @@
           <a:p>
             <a:fld id="{B5C5D851-84F4-4195-AF72-00029A8AC88C}" type="datetimeFigureOut">
               <a:rPr kumimoji="1" lang="ja-JP" altLang="en-US" smtClean="0"/>
-              <a:t>2020/5/28</a:t>
+              <a:t>2020/6/15</a:t>
             </a:fld>
             <a:endParaRPr kumimoji="1" lang="ja-JP" altLang="en-US"/>
           </a:p>
@@ -1953,7 +1954,7 @@
           <a:p>
             <a:fld id="{B5C5D851-84F4-4195-AF72-00029A8AC88C}" type="datetimeFigureOut">
               <a:rPr kumimoji="1" lang="ja-JP" altLang="en-US" smtClean="0"/>
-              <a:t>2020/5/28</a:t>
+              <a:t>2020/6/15</a:t>
             </a:fld>
             <a:endParaRPr kumimoji="1" lang="ja-JP" altLang="en-US"/>
           </a:p>
@@ -2048,7 +2049,7 @@
           <a:p>
             <a:fld id="{B5C5D851-84F4-4195-AF72-00029A8AC88C}" type="datetimeFigureOut">
               <a:rPr kumimoji="1" lang="ja-JP" altLang="en-US" smtClean="0"/>
-              <a:t>2020/5/28</a:t>
+              <a:t>2020/6/15</a:t>
             </a:fld>
             <a:endParaRPr kumimoji="1" lang="ja-JP" altLang="en-US"/>
           </a:p>
@@ -2357,7 +2358,7 @@
           <a:p>
             <a:fld id="{B5C5D851-84F4-4195-AF72-00029A8AC88C}" type="datetimeFigureOut">
               <a:rPr kumimoji="1" lang="ja-JP" altLang="en-US" smtClean="0"/>
-              <a:t>2020/5/28</a:t>
+              <a:t>2020/6/15</a:t>
             </a:fld>
             <a:endParaRPr kumimoji="1" lang="ja-JP" altLang="en-US"/>
           </a:p>
@@ -2614,7 +2615,7 @@
           <a:p>
             <a:fld id="{B5C5D851-84F4-4195-AF72-00029A8AC88C}" type="datetimeFigureOut">
               <a:rPr kumimoji="1" lang="ja-JP" altLang="en-US" smtClean="0"/>
-              <a:t>2020/5/28</a:t>
+              <a:t>2020/6/15</a:t>
             </a:fld>
             <a:endParaRPr kumimoji="1" lang="ja-JP" altLang="en-US"/>
           </a:p>
@@ -2859,7 +2860,7 @@
           <a:p>
             <a:fld id="{B5C5D851-84F4-4195-AF72-00029A8AC88C}" type="datetimeFigureOut">
               <a:rPr kumimoji="1" lang="ja-JP" altLang="en-US" smtClean="0"/>
-              <a:t>2020/5/28</a:t>
+              <a:t>2020/6/15</a:t>
             </a:fld>
             <a:endParaRPr kumimoji="1" lang="ja-JP" altLang="en-US"/>
           </a:p>
@@ -8287,8 +8288,8 @@
           </a:p>
         </p:txBody>
       </p:sp>
-      <mc:AlternateContent xmlns:mc="http://schemas.openxmlformats.org/markup-compatibility/2006">
-        <mc:Choice xmlns:a14="http://schemas.microsoft.com/office/drawing/2010/main" Requires="a14">
+      <mc:AlternateContent xmlns:mc="http://schemas.openxmlformats.org/markup-compatibility/2006" xmlns:a14="http://schemas.microsoft.com/office/drawing/2010/main">
+        <mc:Choice Requires="a14">
           <p:sp>
             <p:nvSpPr>
               <p:cNvPr id="12" name="テキスト ボックス 11">
@@ -8381,7 +8382,7 @@
             </p:txBody>
           </p:sp>
         </mc:Choice>
-        <mc:Fallback>
+        <mc:Fallback xmlns="">
           <p:sp>
             <p:nvSpPr>
               <p:cNvPr id="12" name="テキスト ボックス 11">
@@ -8830,8 +8831,8 @@
             </a:p>
           </p:txBody>
         </p:sp>
-        <mc:AlternateContent xmlns:mc="http://schemas.openxmlformats.org/markup-compatibility/2006">
-          <mc:Choice xmlns:a14="http://schemas.microsoft.com/office/drawing/2010/main" Requires="a14">
+        <mc:AlternateContent xmlns:mc="http://schemas.openxmlformats.org/markup-compatibility/2006" xmlns:a14="http://schemas.microsoft.com/office/drawing/2010/main">
+          <mc:Choice Requires="a14">
             <p:sp>
               <p:nvSpPr>
                 <p:cNvPr id="72" name="テキスト ボックス 71">
@@ -8919,7 +8920,7 @@
               </p:txBody>
             </p:sp>
           </mc:Choice>
-          <mc:Fallback>
+          <mc:Fallback xmlns="">
             <p:sp>
               <p:nvSpPr>
                 <p:cNvPr id="72" name="テキスト ボックス 71">
@@ -9003,8 +9004,8 @@
           </a:p>
         </p:txBody>
       </p:sp>
-      <mc:AlternateContent xmlns:mc="http://schemas.openxmlformats.org/markup-compatibility/2006">
-        <mc:Choice xmlns:a14="http://schemas.microsoft.com/office/drawing/2010/main" Requires="a14">
+      <mc:AlternateContent xmlns:mc="http://schemas.openxmlformats.org/markup-compatibility/2006" xmlns:a14="http://schemas.microsoft.com/office/drawing/2010/main">
+        <mc:Choice Requires="a14">
           <p:sp>
             <p:nvSpPr>
               <p:cNvPr id="25" name="テキスト ボックス 24">
@@ -9033,6 +9034,7 @@
               </a:bodyPr>
               <a:lstStyle/>
               <a:p>
+                <a:pPr/>
                 <a14:m>
                   <m:oMathPara xmlns:m="http://schemas.openxmlformats.org/officeDocument/2006/math">
                     <m:oMathParaPr>
@@ -9189,7 +9191,7 @@
             </p:txBody>
           </p:sp>
         </mc:Choice>
-        <mc:Fallback>
+        <mc:Fallback xmlns="">
           <p:sp>
             <p:nvSpPr>
               <p:cNvPr id="25" name="テキスト ボックス 24">
@@ -9593,8 +9595,8 @@
           </a:p>
         </p:txBody>
       </p:sp>
-      <mc:AlternateContent xmlns:mc="http://schemas.openxmlformats.org/markup-compatibility/2006">
-        <mc:Choice xmlns:a14="http://schemas.microsoft.com/office/drawing/2010/main" Requires="a14">
+      <mc:AlternateContent xmlns:mc="http://schemas.openxmlformats.org/markup-compatibility/2006" xmlns:a14="http://schemas.microsoft.com/office/drawing/2010/main">
+        <mc:Choice Requires="a14">
           <p:sp>
             <p:nvSpPr>
               <p:cNvPr id="76" name="テキスト ボックス 75">
@@ -9681,7 +9683,7 @@
             </p:txBody>
           </p:sp>
         </mc:Choice>
-        <mc:Fallback>
+        <mc:Fallback xmlns="">
           <p:sp>
             <p:nvSpPr>
               <p:cNvPr id="76" name="テキスト ボックス 75">
@@ -9726,8 +9728,8 @@
           </p:sp>
         </mc:Fallback>
       </mc:AlternateContent>
-      <mc:AlternateContent xmlns:mc="http://schemas.openxmlformats.org/markup-compatibility/2006">
-        <mc:Choice xmlns:a14="http://schemas.microsoft.com/office/drawing/2010/main" Requires="a14">
+      <mc:AlternateContent xmlns:mc="http://schemas.openxmlformats.org/markup-compatibility/2006" xmlns:a14="http://schemas.microsoft.com/office/drawing/2010/main">
+        <mc:Choice Requires="a14">
           <p:sp>
             <p:nvSpPr>
               <p:cNvPr id="77" name="テキスト ボックス 76">
@@ -9756,6 +9758,7 @@
               </a:bodyPr>
               <a:lstStyle/>
               <a:p>
+                <a:pPr/>
                 <a14:m>
                   <m:oMathPara xmlns:m="http://schemas.openxmlformats.org/officeDocument/2006/math">
                     <m:oMathParaPr>
@@ -9837,7 +9840,7 @@
             </p:txBody>
           </p:sp>
         </mc:Choice>
-        <mc:Fallback>
+        <mc:Fallback xmlns="">
           <p:sp>
             <p:nvSpPr>
               <p:cNvPr id="77" name="テキスト ボックス 76">
@@ -10085,8 +10088,8 @@
           </a:p>
         </p:txBody>
       </p:sp>
-      <mc:AlternateContent xmlns:mc="http://schemas.openxmlformats.org/markup-compatibility/2006">
-        <mc:Choice xmlns:a14="http://schemas.microsoft.com/office/drawing/2010/main" Requires="a14">
+      <mc:AlternateContent xmlns:mc="http://schemas.openxmlformats.org/markup-compatibility/2006" xmlns:a14="http://schemas.microsoft.com/office/drawing/2010/main">
+        <mc:Choice Requires="a14">
           <p:sp>
             <p:nvSpPr>
               <p:cNvPr id="74" name="テキスト ボックス 73">
@@ -10165,7 +10168,7 @@
             </p:txBody>
           </p:sp>
         </mc:Choice>
-        <mc:Fallback>
+        <mc:Fallback xmlns="">
           <p:sp>
             <p:nvSpPr>
               <p:cNvPr id="74" name="テキスト ボックス 73">
@@ -10210,6 +10213,716 @@
           </p:sp>
         </mc:Fallback>
       </mc:AlternateContent>
+    </p:spTree>
+    <p:extLst>
+      <p:ext uri="{BB962C8B-B14F-4D97-AF65-F5344CB8AC3E}">
+        <p14:creationId xmlns:p14="http://schemas.microsoft.com/office/powerpoint/2010/main" val="609209001"/>
+      </p:ext>
+    </p:extLst>
+  </p:cSld>
+  <p:clrMapOvr>
+    <a:masterClrMapping/>
+  </p:clrMapOvr>
+</p:sld>
+</file>
+
+<file path=ppt/slides/slide7.xml><?xml version="1.0" encoding="utf-8"?>
+<p:sld xmlns:a="http://schemas.openxmlformats.org/drawingml/2006/main" xmlns:r="http://schemas.openxmlformats.org/officeDocument/2006/relationships" xmlns:p="http://schemas.openxmlformats.org/presentationml/2006/main">
+  <p:cSld>
+    <p:spTree>
+      <p:nvGrpSpPr>
+        <p:cNvPr id="1" name=""/>
+        <p:cNvGrpSpPr/>
+        <p:nvPr/>
+      </p:nvGrpSpPr>
+      <p:grpSpPr>
+        <a:xfrm>
+          <a:off x="0" y="0"/>
+          <a:ext cx="0" cy="0"/>
+          <a:chOff x="0" y="0"/>
+          <a:chExt cx="0" cy="0"/>
+        </a:xfrm>
+      </p:grpSpPr>
+      <p:grpSp>
+        <p:nvGrpSpPr>
+          <p:cNvPr id="7" name="グループ化 6">
+            <a:extLst>
+              <a:ext uri="{FF2B5EF4-FFF2-40B4-BE49-F238E27FC236}">
+                <a16:creationId xmlns:a16="http://schemas.microsoft.com/office/drawing/2014/main" id="{B4F86449-5F48-47AC-8472-2AF835B1973D}"/>
+              </a:ext>
+            </a:extLst>
+          </p:cNvPr>
+          <p:cNvGrpSpPr/>
+          <p:nvPr/>
+        </p:nvGrpSpPr>
+        <p:grpSpPr>
+          <a:xfrm>
+            <a:off x="385894" y="1907097"/>
+            <a:ext cx="3794621" cy="3043806"/>
+            <a:chOff x="2743200" y="1923176"/>
+            <a:chExt cx="3794621" cy="3043806"/>
+          </a:xfrm>
+        </p:grpSpPr>
+        <p:pic>
+          <p:nvPicPr>
+            <p:cNvPr id="3" name="図 2" descr="テーブル, 座る, ブラック, ホワイト が含まれている画像&#10;&#10;自動的に生成された説明">
+              <a:extLst>
+                <a:ext uri="{FF2B5EF4-FFF2-40B4-BE49-F238E27FC236}">
+                  <a16:creationId xmlns:a16="http://schemas.microsoft.com/office/drawing/2014/main" id="{4291E7DD-92B4-4B14-ABB4-433563E0D291}"/>
+                </a:ext>
+              </a:extLst>
+            </p:cNvPr>
+            <p:cNvPicPr>
+              <a:picLocks noChangeAspect="1"/>
+            </p:cNvPicPr>
+            <p:nvPr/>
+          </p:nvPicPr>
+          <p:blipFill>
+            <a:blip r:embed="rId2">
+              <a:extLst>
+                <a:ext uri="{28A0092B-C50C-407E-A947-70E740481C1C}">
+                  <a14:useLocalDpi xmlns:a14="http://schemas.microsoft.com/office/drawing/2010/main" val="0"/>
+                </a:ext>
+              </a:extLst>
+            </a:blip>
+            <a:stretch>
+              <a:fillRect/>
+            </a:stretch>
+          </p:blipFill>
+          <p:spPr>
+            <a:xfrm>
+              <a:off x="2743200" y="1923176"/>
+              <a:ext cx="3657600" cy="2743200"/>
+            </a:xfrm>
+            <a:prstGeom prst="rect">
+              <a:avLst/>
+            </a:prstGeom>
+          </p:spPr>
+        </p:pic>
+        <p:sp>
+          <p:nvSpPr>
+            <p:cNvPr id="5" name="正方形/長方形 4">
+              <a:extLst>
+                <a:ext uri="{FF2B5EF4-FFF2-40B4-BE49-F238E27FC236}">
+                  <a16:creationId xmlns:a16="http://schemas.microsoft.com/office/drawing/2014/main" id="{53F04978-816A-48C1-A512-9D900AF07169}"/>
+                </a:ext>
+              </a:extLst>
+            </p:cNvPr>
+            <p:cNvSpPr/>
+            <p:nvPr/>
+          </p:nvSpPr>
+          <p:spPr>
+            <a:xfrm>
+              <a:off x="2910981" y="2122415"/>
+              <a:ext cx="3322040" cy="2340528"/>
+            </a:xfrm>
+            <a:prstGeom prst="rect">
+              <a:avLst/>
+            </a:prstGeom>
+            <a:noFill/>
+            <a:ln w="38100">
+              <a:solidFill>
+                <a:srgbClr val="00B050"/>
+              </a:solidFill>
+            </a:ln>
+          </p:spPr>
+          <p:style>
+            <a:lnRef idx="2">
+              <a:schemeClr val="accent1">
+                <a:shade val="50000"/>
+              </a:schemeClr>
+            </a:lnRef>
+            <a:fillRef idx="1">
+              <a:schemeClr val="accent1"/>
+            </a:fillRef>
+            <a:effectRef idx="0">
+              <a:schemeClr val="accent1"/>
+            </a:effectRef>
+            <a:fontRef idx="minor">
+              <a:schemeClr val="lt1"/>
+            </a:fontRef>
+          </p:style>
+          <p:txBody>
+            <a:bodyPr rtlCol="0" anchor="ctr"/>
+            <a:lstStyle/>
+            <a:p>
+              <a:pPr algn="ctr"/>
+              <a:endParaRPr kumimoji="1" lang="ja-JP" altLang="en-US"/>
+            </a:p>
+          </p:txBody>
+        </p:sp>
+        <p:sp>
+          <p:nvSpPr>
+            <p:cNvPr id="9" name="正方形/長方形 8">
+              <a:extLst>
+                <a:ext uri="{FF2B5EF4-FFF2-40B4-BE49-F238E27FC236}">
+                  <a16:creationId xmlns:a16="http://schemas.microsoft.com/office/drawing/2014/main" id="{C295C7F0-787C-4884-BD7D-15977CDDC5F7}"/>
+                </a:ext>
+              </a:extLst>
+            </p:cNvPr>
+            <p:cNvSpPr/>
+            <p:nvPr/>
+          </p:nvSpPr>
+          <p:spPr>
+            <a:xfrm>
+              <a:off x="3215781" y="2626454"/>
+              <a:ext cx="3322040" cy="2340528"/>
+            </a:xfrm>
+            <a:prstGeom prst="rect">
+              <a:avLst/>
+            </a:prstGeom>
+            <a:noFill/>
+            <a:ln w="38100">
+              <a:solidFill>
+                <a:srgbClr val="FC6204"/>
+              </a:solidFill>
+            </a:ln>
+          </p:spPr>
+          <p:style>
+            <a:lnRef idx="2">
+              <a:schemeClr val="accent1">
+                <a:shade val="50000"/>
+              </a:schemeClr>
+            </a:lnRef>
+            <a:fillRef idx="1">
+              <a:schemeClr val="accent1"/>
+            </a:fillRef>
+            <a:effectRef idx="0">
+              <a:schemeClr val="accent1"/>
+            </a:effectRef>
+            <a:fontRef idx="minor">
+              <a:schemeClr val="lt1"/>
+            </a:fontRef>
+          </p:style>
+          <p:txBody>
+            <a:bodyPr rtlCol="0" anchor="ctr"/>
+            <a:lstStyle/>
+            <a:p>
+              <a:pPr algn="ctr"/>
+              <a:endParaRPr kumimoji="1" lang="ja-JP" altLang="en-US" dirty="0"/>
+            </a:p>
+          </p:txBody>
+        </p:sp>
+      </p:grpSp>
+      <p:sp>
+        <p:nvSpPr>
+          <p:cNvPr id="8" name="テキスト ボックス 7">
+            <a:extLst>
+              <a:ext uri="{FF2B5EF4-FFF2-40B4-BE49-F238E27FC236}">
+                <a16:creationId xmlns:a16="http://schemas.microsoft.com/office/drawing/2014/main" id="{AA446635-BDDF-4E3C-836F-0F3318E00187}"/>
+              </a:ext>
+            </a:extLst>
+          </p:cNvPr>
+          <p:cNvSpPr txBox="1"/>
+          <p:nvPr/>
+        </p:nvSpPr>
+        <p:spPr>
+          <a:xfrm>
+            <a:off x="416654" y="1739101"/>
+            <a:ext cx="3185487" cy="369332"/>
+          </a:xfrm>
+          <a:prstGeom prst="rect">
+            <a:avLst/>
+          </a:prstGeom>
+          <a:noFill/>
+        </p:spPr>
+        <p:txBody>
+          <a:bodyPr wrap="none" rtlCol="0">
+            <a:spAutoFit/>
+          </a:bodyPr>
+          <a:lstStyle/>
+          <a:p>
+            <a:r>
+              <a:rPr kumimoji="1" lang="ja-JP" altLang="en-US" dirty="0"/>
+              <a:t>真のバウンディングボックス</a:t>
+            </a:r>
+          </a:p>
+        </p:txBody>
+      </p:sp>
+      <p:sp>
+        <p:nvSpPr>
+          <p:cNvPr id="12" name="テキスト ボックス 11">
+            <a:extLst>
+              <a:ext uri="{FF2B5EF4-FFF2-40B4-BE49-F238E27FC236}">
+                <a16:creationId xmlns:a16="http://schemas.microsoft.com/office/drawing/2014/main" id="{D88374AF-7FB3-450F-9F1C-9DED08A2CADA}"/>
+              </a:ext>
+            </a:extLst>
+          </p:cNvPr>
+          <p:cNvSpPr txBox="1"/>
+          <p:nvPr/>
+        </p:nvSpPr>
+        <p:spPr>
+          <a:xfrm>
+            <a:off x="713591" y="4948806"/>
+            <a:ext cx="3877985" cy="369332"/>
+          </a:xfrm>
+          <a:prstGeom prst="rect">
+            <a:avLst/>
+          </a:prstGeom>
+          <a:noFill/>
+        </p:spPr>
+        <p:txBody>
+          <a:bodyPr wrap="none" rtlCol="0">
+            <a:spAutoFit/>
+          </a:bodyPr>
+          <a:lstStyle/>
+          <a:p>
+            <a:r>
+              <a:rPr kumimoji="1" lang="ja-JP" altLang="en-US" dirty="0"/>
+              <a:t>予測されたバウンディングボックス</a:t>
+            </a:r>
+          </a:p>
+        </p:txBody>
+      </p:sp>
+      <mc:AlternateContent xmlns:mc="http://schemas.openxmlformats.org/markup-compatibility/2006">
+        <mc:Choice xmlns:a14="http://schemas.microsoft.com/office/drawing/2010/main" Requires="a14">
+          <p:sp>
+            <p:nvSpPr>
+              <p:cNvPr id="10" name="テキスト ボックス 9">
+                <a:extLst>
+                  <a:ext uri="{FF2B5EF4-FFF2-40B4-BE49-F238E27FC236}">
+                    <a16:creationId xmlns:a16="http://schemas.microsoft.com/office/drawing/2014/main" id="{C98F7F43-8667-4BBF-8884-00C269ADE1F7}"/>
+                  </a:ext>
+                </a:extLst>
+              </p:cNvPr>
+              <p:cNvSpPr txBox="1"/>
+              <p:nvPr/>
+            </p:nvSpPr>
+            <p:spPr>
+              <a:xfrm>
+                <a:off x="4348294" y="3013501"/>
+                <a:ext cx="2142318" cy="830997"/>
+              </a:xfrm>
+              <a:prstGeom prst="rect">
+                <a:avLst/>
+              </a:prstGeom>
+              <a:noFill/>
+            </p:spPr>
+            <p:txBody>
+              <a:bodyPr wrap="none" lIns="0" tIns="0" rIns="0" bIns="0" rtlCol="0">
+                <a:spAutoFit/>
+              </a:bodyPr>
+              <a:lstStyle/>
+              <a:p>
+                <a14:m>
+                  <m:oMathPara xmlns:m="http://schemas.openxmlformats.org/officeDocument/2006/math">
+                    <m:oMathParaPr>
+                      <m:jc m:val="centerGroup"/>
+                    </m:oMathParaPr>
+                    <m:oMath xmlns:m="http://schemas.openxmlformats.org/officeDocument/2006/math">
+                      <m:r>
+                        <a:rPr kumimoji="1" lang="en-US" altLang="ja-JP" sz="5400" b="0" i="1" smtClean="0">
+                          <a:latin typeface="Cambria Math" panose="02040503050406030204" pitchFamily="18" charset="0"/>
+                        </a:rPr>
+                        <m:t>𝐼𝑜𝑈</m:t>
+                      </m:r>
+                      <m:r>
+                        <a:rPr kumimoji="1" lang="en-US" altLang="ja-JP" sz="5400" b="0" i="1" smtClean="0">
+                          <a:latin typeface="Cambria Math" panose="02040503050406030204" pitchFamily="18" charset="0"/>
+                        </a:rPr>
+                        <m:t>= </m:t>
+                      </m:r>
+                    </m:oMath>
+                  </m:oMathPara>
+                </a14:m>
+                <a:endParaRPr kumimoji="1" lang="ja-JP" altLang="en-US" sz="5400" dirty="0"/>
+              </a:p>
+            </p:txBody>
+          </p:sp>
+        </mc:Choice>
+        <mc:Fallback>
+          <p:sp>
+            <p:nvSpPr>
+              <p:cNvPr id="10" name="テキスト ボックス 9">
+                <a:extLst>
+                  <a:ext uri="{FF2B5EF4-FFF2-40B4-BE49-F238E27FC236}">
+                    <a16:creationId xmlns:a16="http://schemas.microsoft.com/office/drawing/2014/main" id="{C98F7F43-8667-4BBF-8884-00C269ADE1F7}"/>
+                  </a:ext>
+                </a:extLst>
+              </p:cNvPr>
+              <p:cNvSpPr txBox="1">
+                <a:spLocks noRot="1" noChangeAspect="1" noMove="1" noResize="1" noEditPoints="1" noAdjustHandles="1" noChangeArrowheads="1" noChangeShapeType="1" noTextEdit="1"/>
+              </p:cNvSpPr>
+              <p:nvPr/>
+            </p:nvSpPr>
+            <p:spPr>
+              <a:xfrm>
+                <a:off x="4348294" y="3013501"/>
+                <a:ext cx="2142318" cy="830997"/>
+              </a:xfrm>
+              <a:prstGeom prst="rect">
+                <a:avLst/>
+              </a:prstGeom>
+              <a:blipFill>
+                <a:blip r:embed="rId3"/>
+                <a:stretch>
+                  <a:fillRect/>
+                </a:stretch>
+              </a:blipFill>
+            </p:spPr>
+            <p:txBody>
+              <a:bodyPr/>
+              <a:lstStyle/>
+              <a:p>
+                <a:r>
+                  <a:rPr lang="ja-JP" altLang="en-US">
+                    <a:noFill/>
+                  </a:rPr>
+                  <a:t> </a:t>
+                </a:r>
+              </a:p>
+            </p:txBody>
+          </p:sp>
+        </mc:Fallback>
+      </mc:AlternateContent>
+      <p:cxnSp>
+        <p:nvCxnSpPr>
+          <p:cNvPr id="14" name="直線コネクタ 13">
+            <a:extLst>
+              <a:ext uri="{FF2B5EF4-FFF2-40B4-BE49-F238E27FC236}">
+                <a16:creationId xmlns:a16="http://schemas.microsoft.com/office/drawing/2014/main" id="{036EEF33-AFF5-4729-94E8-A26A2E37EDE9}"/>
+              </a:ext>
+            </a:extLst>
+          </p:cNvPr>
+          <p:cNvCxnSpPr/>
+          <p:nvPr/>
+        </p:nvCxnSpPr>
+        <p:spPr>
+          <a:xfrm>
+            <a:off x="6249798" y="3449970"/>
+            <a:ext cx="2290195" cy="0"/>
+          </a:xfrm>
+          <a:prstGeom prst="line">
+            <a:avLst/>
+          </a:prstGeom>
+          <a:ln w="38100">
+            <a:solidFill>
+              <a:schemeClr val="tx1"/>
+            </a:solidFill>
+          </a:ln>
+        </p:spPr>
+        <p:style>
+          <a:lnRef idx="1">
+            <a:schemeClr val="accent1"/>
+          </a:lnRef>
+          <a:fillRef idx="0">
+            <a:schemeClr val="accent1"/>
+          </a:fillRef>
+          <a:effectRef idx="0">
+            <a:schemeClr val="accent1"/>
+          </a:effectRef>
+          <a:fontRef idx="minor">
+            <a:schemeClr val="tx1"/>
+          </a:fontRef>
+        </p:style>
+      </p:cxnSp>
+      <p:grpSp>
+        <p:nvGrpSpPr>
+          <p:cNvPr id="15" name="グループ化 14">
+            <a:extLst>
+              <a:ext uri="{FF2B5EF4-FFF2-40B4-BE49-F238E27FC236}">
+                <a16:creationId xmlns:a16="http://schemas.microsoft.com/office/drawing/2014/main" id="{EE09281E-8DFC-4127-8BD8-A029AE4EED94}"/>
+              </a:ext>
+            </a:extLst>
+          </p:cNvPr>
+          <p:cNvGrpSpPr/>
+          <p:nvPr/>
+        </p:nvGrpSpPr>
+        <p:grpSpPr>
+          <a:xfrm>
+            <a:off x="6455328" y="1809357"/>
+            <a:ext cx="1870745" cy="1467244"/>
+            <a:chOff x="5100506" y="432033"/>
+            <a:chExt cx="3626840" cy="2844567"/>
+          </a:xfrm>
+        </p:grpSpPr>
+        <p:sp>
+          <p:nvSpPr>
+            <p:cNvPr id="16" name="正方形/長方形 15">
+              <a:extLst>
+                <a:ext uri="{FF2B5EF4-FFF2-40B4-BE49-F238E27FC236}">
+                  <a16:creationId xmlns:a16="http://schemas.microsoft.com/office/drawing/2014/main" id="{79198A9B-56BB-444A-8CA8-331BA5572C1C}"/>
+                </a:ext>
+              </a:extLst>
+            </p:cNvPr>
+            <p:cNvSpPr/>
+            <p:nvPr/>
+          </p:nvSpPr>
+          <p:spPr>
+            <a:xfrm>
+              <a:off x="5100506" y="432033"/>
+              <a:ext cx="3322040" cy="2340528"/>
+            </a:xfrm>
+            <a:prstGeom prst="rect">
+              <a:avLst/>
+            </a:prstGeom>
+            <a:noFill/>
+            <a:ln w="38100">
+              <a:solidFill>
+                <a:srgbClr val="00B0F0"/>
+              </a:solidFill>
+            </a:ln>
+          </p:spPr>
+          <p:style>
+            <a:lnRef idx="2">
+              <a:schemeClr val="accent1">
+                <a:shade val="50000"/>
+              </a:schemeClr>
+            </a:lnRef>
+            <a:fillRef idx="1">
+              <a:schemeClr val="accent1"/>
+            </a:fillRef>
+            <a:effectRef idx="0">
+              <a:schemeClr val="accent1"/>
+            </a:effectRef>
+            <a:fontRef idx="minor">
+              <a:schemeClr val="lt1"/>
+            </a:fontRef>
+          </p:style>
+          <p:txBody>
+            <a:bodyPr rtlCol="0" anchor="ctr"/>
+            <a:lstStyle/>
+            <a:p>
+              <a:pPr algn="ctr"/>
+              <a:endParaRPr kumimoji="1" lang="ja-JP" altLang="en-US"/>
+            </a:p>
+          </p:txBody>
+        </p:sp>
+        <p:sp>
+          <p:nvSpPr>
+            <p:cNvPr id="17" name="正方形/長方形 16">
+              <a:extLst>
+                <a:ext uri="{FF2B5EF4-FFF2-40B4-BE49-F238E27FC236}">
+                  <a16:creationId xmlns:a16="http://schemas.microsoft.com/office/drawing/2014/main" id="{9BF949F5-79D5-42BA-BE53-2EE66F9A8350}"/>
+                </a:ext>
+              </a:extLst>
+            </p:cNvPr>
+            <p:cNvSpPr/>
+            <p:nvPr/>
+          </p:nvSpPr>
+          <p:spPr>
+            <a:xfrm>
+              <a:off x="5405306" y="936072"/>
+              <a:ext cx="3322040" cy="2340528"/>
+            </a:xfrm>
+            <a:prstGeom prst="rect">
+              <a:avLst/>
+            </a:prstGeom>
+            <a:noFill/>
+            <a:ln w="38100">
+              <a:solidFill>
+                <a:srgbClr val="00B0F0"/>
+              </a:solidFill>
+            </a:ln>
+          </p:spPr>
+          <p:style>
+            <a:lnRef idx="2">
+              <a:schemeClr val="accent1">
+                <a:shade val="50000"/>
+              </a:schemeClr>
+            </a:lnRef>
+            <a:fillRef idx="1">
+              <a:schemeClr val="accent1"/>
+            </a:fillRef>
+            <a:effectRef idx="0">
+              <a:schemeClr val="accent1"/>
+            </a:effectRef>
+            <a:fontRef idx="minor">
+              <a:schemeClr val="lt1"/>
+            </a:fontRef>
+          </p:style>
+          <p:txBody>
+            <a:bodyPr rtlCol="0" anchor="ctr"/>
+            <a:lstStyle/>
+            <a:p>
+              <a:pPr algn="ctr"/>
+              <a:endParaRPr kumimoji="1" lang="ja-JP" altLang="en-US" dirty="0"/>
+            </a:p>
+          </p:txBody>
+        </p:sp>
+      </p:grpSp>
+      <p:sp>
+        <p:nvSpPr>
+          <p:cNvPr id="18" name="正方形/長方形 17">
+            <a:extLst>
+              <a:ext uri="{FF2B5EF4-FFF2-40B4-BE49-F238E27FC236}">
+                <a16:creationId xmlns:a16="http://schemas.microsoft.com/office/drawing/2014/main" id="{50F3086B-925E-4A31-B23E-6375B2E85621}"/>
+              </a:ext>
+            </a:extLst>
+          </p:cNvPr>
+          <p:cNvSpPr/>
+          <p:nvPr/>
+        </p:nvSpPr>
+        <p:spPr>
+          <a:xfrm>
+            <a:off x="6612546" y="2069343"/>
+            <a:ext cx="1556309" cy="944158"/>
+          </a:xfrm>
+          <a:prstGeom prst="rect">
+            <a:avLst/>
+          </a:prstGeom>
+          <a:solidFill>
+            <a:srgbClr val="00B0F0"/>
+          </a:solidFill>
+          <a:ln>
+            <a:solidFill>
+              <a:srgbClr val="00B0F0"/>
+            </a:solidFill>
+          </a:ln>
+        </p:spPr>
+        <p:style>
+          <a:lnRef idx="2">
+            <a:schemeClr val="accent1">
+              <a:shade val="50000"/>
+            </a:schemeClr>
+          </a:lnRef>
+          <a:fillRef idx="1">
+            <a:schemeClr val="accent1"/>
+          </a:fillRef>
+          <a:effectRef idx="0">
+            <a:schemeClr val="accent1"/>
+          </a:effectRef>
+          <a:fontRef idx="minor">
+            <a:schemeClr val="lt1"/>
+          </a:fontRef>
+        </p:style>
+        <p:txBody>
+          <a:bodyPr rtlCol="0" anchor="ctr"/>
+          <a:lstStyle/>
+          <a:p>
+            <a:pPr algn="ctr"/>
+            <a:endParaRPr kumimoji="1" lang="ja-JP" altLang="en-US"/>
+          </a:p>
+        </p:txBody>
+      </p:sp>
+      <p:grpSp>
+        <p:nvGrpSpPr>
+          <p:cNvPr id="21" name="グループ化 20">
+            <a:extLst>
+              <a:ext uri="{FF2B5EF4-FFF2-40B4-BE49-F238E27FC236}">
+                <a16:creationId xmlns:a16="http://schemas.microsoft.com/office/drawing/2014/main" id="{24ED0784-5E06-48BE-A8EB-D44FBB7F7190}"/>
+              </a:ext>
+            </a:extLst>
+          </p:cNvPr>
+          <p:cNvGrpSpPr/>
+          <p:nvPr/>
+        </p:nvGrpSpPr>
+        <p:grpSpPr>
+          <a:xfrm>
+            <a:off x="6533936" y="3623340"/>
+            <a:ext cx="1870745" cy="1467244"/>
+            <a:chOff x="5100506" y="432033"/>
+            <a:chExt cx="3626840" cy="2844567"/>
+          </a:xfrm>
+          <a:solidFill>
+            <a:srgbClr val="00B0F0"/>
+          </a:solidFill>
+        </p:grpSpPr>
+        <p:sp>
+          <p:nvSpPr>
+            <p:cNvPr id="22" name="正方形/長方形 21">
+              <a:extLst>
+                <a:ext uri="{FF2B5EF4-FFF2-40B4-BE49-F238E27FC236}">
+                  <a16:creationId xmlns:a16="http://schemas.microsoft.com/office/drawing/2014/main" id="{F1FC6B3C-4162-4481-9F4E-CB92E6ECBDBB}"/>
+                </a:ext>
+              </a:extLst>
+            </p:cNvPr>
+            <p:cNvSpPr/>
+            <p:nvPr/>
+          </p:nvSpPr>
+          <p:spPr>
+            <a:xfrm>
+              <a:off x="5100506" y="432033"/>
+              <a:ext cx="3322040" cy="2340528"/>
+            </a:xfrm>
+            <a:prstGeom prst="rect">
+              <a:avLst/>
+            </a:prstGeom>
+            <a:grpFill/>
+            <a:ln w="38100">
+              <a:solidFill>
+                <a:srgbClr val="00B0F0"/>
+              </a:solidFill>
+            </a:ln>
+          </p:spPr>
+          <p:style>
+            <a:lnRef idx="2">
+              <a:schemeClr val="accent1">
+                <a:shade val="50000"/>
+              </a:schemeClr>
+            </a:lnRef>
+            <a:fillRef idx="1">
+              <a:schemeClr val="accent1"/>
+            </a:fillRef>
+            <a:effectRef idx="0">
+              <a:schemeClr val="accent1"/>
+            </a:effectRef>
+            <a:fontRef idx="minor">
+              <a:schemeClr val="lt1"/>
+            </a:fontRef>
+          </p:style>
+          <p:txBody>
+            <a:bodyPr rtlCol="0" anchor="ctr"/>
+            <a:lstStyle/>
+            <a:p>
+              <a:pPr algn="ctr"/>
+              <a:endParaRPr kumimoji="1" lang="ja-JP" altLang="en-US"/>
+            </a:p>
+          </p:txBody>
+        </p:sp>
+        <p:sp>
+          <p:nvSpPr>
+            <p:cNvPr id="23" name="正方形/長方形 22">
+              <a:extLst>
+                <a:ext uri="{FF2B5EF4-FFF2-40B4-BE49-F238E27FC236}">
+                  <a16:creationId xmlns:a16="http://schemas.microsoft.com/office/drawing/2014/main" id="{709E0A80-501E-4BB8-B430-44A286603456}"/>
+                </a:ext>
+              </a:extLst>
+            </p:cNvPr>
+            <p:cNvSpPr/>
+            <p:nvPr/>
+          </p:nvSpPr>
+          <p:spPr>
+            <a:xfrm>
+              <a:off x="5405306" y="936072"/>
+              <a:ext cx="3322040" cy="2340528"/>
+            </a:xfrm>
+            <a:prstGeom prst="rect">
+              <a:avLst/>
+            </a:prstGeom>
+            <a:grpFill/>
+            <a:ln w="38100">
+              <a:solidFill>
+                <a:srgbClr val="00B0F0"/>
+              </a:solidFill>
+            </a:ln>
+          </p:spPr>
+          <p:style>
+            <a:lnRef idx="2">
+              <a:schemeClr val="accent1">
+                <a:shade val="50000"/>
+              </a:schemeClr>
+            </a:lnRef>
+            <a:fillRef idx="1">
+              <a:schemeClr val="accent1"/>
+            </a:fillRef>
+            <a:effectRef idx="0">
+              <a:schemeClr val="accent1"/>
+            </a:effectRef>
+            <a:fontRef idx="minor">
+              <a:schemeClr val="lt1"/>
+            </a:fontRef>
+          </p:style>
+          <p:txBody>
+            <a:bodyPr rtlCol="0" anchor="ctr"/>
+            <a:lstStyle/>
+            <a:p>
+              <a:pPr algn="ctr"/>
+              <a:endParaRPr kumimoji="1" lang="ja-JP" altLang="en-US" dirty="0"/>
+            </a:p>
+          </p:txBody>
+        </p:sp>
+      </p:grpSp>
     </p:spTree>
     <p:extLst>
       <p:ext uri="{BB962C8B-B14F-4D97-AF65-F5344CB8AC3E}">
